--- a/Daily Agendas/Day17.1_HeroesTradeShow.pptx
+++ b/Daily Agendas/Day17.1_HeroesTradeShow.pptx
@@ -6,6 +6,7 @@
   </p:sldMasterIdLst>
   <p:sldIdLst>
     <p:sldId id="257" r:id="rId2"/>
+    <p:sldId id="258" r:id="rId3"/>
   </p:sldIdLst>
   <p:sldSz cx="9144000" cy="6858000" type="screen4x3"/>
   <p:notesSz cx="6858000" cy="9144000"/>
@@ -106,7 +107,7 @@
   </p:defaultTextStyle>
   <p:extLst>
     <p:ext uri="{EFAFB233-063F-42B5-8137-9DF3F51BA10A}">
-      <p15:sldGuideLst xmlns:p15="http://schemas.microsoft.com/office/powerpoint/2012/main" xmlns="">
+      <p15:sldGuideLst xmlns:p15="http://schemas.microsoft.com/office/powerpoint/2012/main">
         <p15:guide id="1" orient="horz" pos="2160">
           <p15:clr>
             <a:srgbClr val="A4A3A4"/>
@@ -3073,23 +3074,7 @@
           <a:p>
             <a:r>
               <a:rPr lang="en-US" sz="3600" dirty="0" smtClean="0"/>
-              <a:t>Heroes </a:t>
-            </a:r>
-            <a:r>
-              <a:rPr lang="en-US" sz="3600" dirty="0" smtClean="0"/>
-              <a:t>Trade Show</a:t>
-            </a:r>
-            <a:r>
-              <a:rPr lang="en-US" sz="3600" dirty="0" smtClean="0"/>
-              <a:t> </a:t>
-            </a:r>
-            <a:r>
-              <a:rPr lang="en-US" sz="3600" dirty="0" smtClean="0"/>
-              <a:t>– </a:t>
-            </a:r>
-            <a:r>
-              <a:rPr lang="en-US" sz="3600" dirty="0" smtClean="0"/>
-              <a:t>Jan 7</a:t>
+              <a:t>Heroes Trade Show – Jan 7</a:t>
             </a:r>
             <a:endParaRPr lang="en-US" sz="2800" dirty="0"/>
           </a:p>
@@ -3108,7 +3093,7 @@
         <p:spPr/>
         <p:txBody>
           <a:bodyPr>
-            <a:normAutofit fontScale="85000" lnSpcReduction="20000"/>
+            <a:normAutofit fontScale="92500" lnSpcReduction="10000"/>
           </a:bodyPr>
           <a:lstStyle/>
           <a:p>
@@ -3122,9 +3107,16 @@
             <a:pPr lvl="1"/>
             <a:r>
               <a:rPr lang="en-CA" dirty="0" smtClean="0"/>
-              <a:t>Welcome Back / Get Re-Oriented (-15 min)</a:t>
-            </a:r>
-            <a:endParaRPr lang="en-CA" dirty="0" smtClean="0"/>
+              <a:t>Welcome Back / Get Re-Oriented (-</a:t>
+            </a:r>
+            <a:r>
+              <a:rPr lang="en-CA" dirty="0" smtClean="0"/>
+              <a:t>10 </a:t>
+            </a:r>
+            <a:r>
+              <a:rPr lang="en-CA" dirty="0" smtClean="0"/>
+              <a:t>min)</a:t>
+            </a:r>
           </a:p>
           <a:p>
             <a:pPr lvl="2"/>
@@ -3132,55 +3124,42 @@
               <a:rPr lang="en-CA" dirty="0" smtClean="0"/>
               <a:t>Find Your Presentation From Before the Break</a:t>
             </a:r>
+          </a:p>
+          <a:p>
+            <a:pPr lvl="1"/>
+            <a:r>
+              <a:rPr lang="en-CA" dirty="0" smtClean="0"/>
+              <a:t>Round 1 </a:t>
+            </a:r>
+            <a:r>
+              <a:rPr lang="en-CA" dirty="0" smtClean="0"/>
+              <a:t>/ 2/ 3  (~15 </a:t>
+            </a:r>
+            <a:r>
+              <a:rPr lang="en-CA" dirty="0" smtClean="0"/>
+              <a:t>min)</a:t>
+            </a:r>
+          </a:p>
+          <a:p>
+            <a:pPr lvl="2"/>
+            <a:r>
+              <a:rPr lang="en-CA" dirty="0" smtClean="0"/>
+              <a:t>Check Your Assignments</a:t>
+            </a:r>
             <a:endParaRPr lang="en-CA" dirty="0" smtClean="0"/>
           </a:p>
           <a:p>
-            <a:pPr lvl="1"/>
-            <a:r>
-              <a:rPr lang="en-CA" dirty="0" smtClean="0"/>
-              <a:t>Round 1 (~25 min)</a:t>
+            <a:pPr lvl="2"/>
+            <a:r>
+              <a:rPr lang="en-CA" smtClean="0"/>
+              <a:t>Complete Passport</a:t>
             </a:r>
             <a:endParaRPr lang="en-CA" dirty="0" smtClean="0"/>
           </a:p>
           <a:p>
-            <a:pPr lvl="2"/>
-            <a:r>
-              <a:rPr lang="en-CA" dirty="0" smtClean="0"/>
-              <a:t>Left Side of Class Presents</a:t>
-            </a:r>
-          </a:p>
-          <a:p>
-            <a:pPr lvl="2"/>
-            <a:r>
-              <a:rPr lang="en-CA" dirty="0" smtClean="0"/>
-              <a:t>Right Side of Class Visits</a:t>
-            </a:r>
-            <a:endParaRPr lang="en-CA" dirty="0" smtClean="0"/>
-          </a:p>
-          <a:p>
-            <a:pPr lvl="1"/>
-            <a:r>
-              <a:rPr lang="en-CA" dirty="0" smtClean="0"/>
-              <a:t>Round  2 (~25 min)</a:t>
-            </a:r>
-            <a:endParaRPr lang="en-CA" dirty="0" smtClean="0"/>
-          </a:p>
-          <a:p>
-            <a:pPr lvl="2"/>
-            <a:r>
-              <a:rPr lang="en-CA" dirty="0" smtClean="0"/>
-              <a:t>Left Side of Class Presents</a:t>
-            </a:r>
-          </a:p>
-          <a:p>
-            <a:pPr lvl="2"/>
-            <a:r>
-              <a:rPr lang="en-CA" dirty="0" smtClean="0"/>
-              <a:t>Right Side of Class Visits</a:t>
-            </a:r>
-          </a:p>
-          <a:p>
-            <a:pPr lvl="1"/>
+            <a:pPr marL="457200" lvl="1" indent="0">
+              <a:buNone/>
+            </a:pPr>
             <a:endParaRPr lang="en-US" dirty="0"/>
           </a:p>
           <a:p>
@@ -3226,6 +3205,398 @@
       </p:par>
     </p:tnLst>
   </p:timing>
+</p:sld>
+</file>
+
+<file path=ppt/slides/slide2.xml><?xml version="1.0" encoding="utf-8"?>
+<p:sld xmlns:a="http://schemas.openxmlformats.org/drawingml/2006/main" xmlns:r="http://schemas.openxmlformats.org/officeDocument/2006/relationships" xmlns:p="http://schemas.openxmlformats.org/presentationml/2006/main">
+  <p:cSld>
+    <p:spTree>
+      <p:nvGrpSpPr>
+        <p:cNvPr id="1" name=""/>
+        <p:cNvGrpSpPr/>
+        <p:nvPr/>
+      </p:nvGrpSpPr>
+      <p:grpSpPr>
+        <a:xfrm>
+          <a:off x="0" y="0"/>
+          <a:ext cx="0" cy="0"/>
+          <a:chOff x="0" y="0"/>
+          <a:chExt cx="0" cy="0"/>
+        </a:xfrm>
+      </p:grpSpPr>
+      <p:sp>
+        <p:nvSpPr>
+          <p:cNvPr id="2" name="Title 1"/>
+          <p:cNvSpPr>
+            <a:spLocks noGrp="1"/>
+          </p:cNvSpPr>
+          <p:nvPr>
+            <p:ph type="title"/>
+          </p:nvPr>
+        </p:nvSpPr>
+        <p:spPr/>
+        <p:txBody>
+          <a:bodyPr/>
+          <a:lstStyle/>
+          <a:p>
+            <a:r>
+              <a:rPr lang="en-CA" dirty="0" smtClean="0"/>
+              <a:t>Presentation Tradeshow</a:t>
+            </a:r>
+            <a:endParaRPr lang="en-US" dirty="0"/>
+          </a:p>
+        </p:txBody>
+      </p:sp>
+      <p:sp>
+        <p:nvSpPr>
+          <p:cNvPr id="3" name="Content Placeholder 2"/>
+          <p:cNvSpPr>
+            <a:spLocks noGrp="1"/>
+          </p:cNvSpPr>
+          <p:nvPr>
+            <p:ph idx="1"/>
+          </p:nvPr>
+        </p:nvSpPr>
+        <p:spPr>
+          <a:xfrm>
+            <a:off x="457200" y="4038600"/>
+            <a:ext cx="8229600" cy="2087563"/>
+          </a:xfrm>
+        </p:spPr>
+        <p:txBody>
+          <a:bodyPr/>
+          <a:lstStyle/>
+          <a:p>
+            <a:pPr marL="0" indent="0">
+              <a:buNone/>
+            </a:pPr>
+            <a:r>
+              <a:rPr lang="en-CA" dirty="0" smtClean="0"/>
+              <a:t>Complete the Passport </a:t>
+            </a:r>
+            <a:r>
+              <a:rPr lang="en-CA" dirty="0" smtClean="0"/>
+              <a:t>For each Time Slot </a:t>
+            </a:r>
+          </a:p>
+        </p:txBody>
+      </p:sp>
+      <p:graphicFrame>
+        <p:nvGraphicFramePr>
+          <p:cNvPr id="4" name="Table 3"/>
+          <p:cNvGraphicFramePr>
+            <a:graphicFrameLocks noGrp="1"/>
+          </p:cNvGraphicFramePr>
+          <p:nvPr>
+            <p:extLst/>
+          </p:nvPr>
+        </p:nvGraphicFramePr>
+        <p:xfrm>
+          <a:off x="838200" y="1397000"/>
+          <a:ext cx="7467600" cy="2413000"/>
+        </p:xfrm>
+        <a:graphic>
+          <a:graphicData uri="http://schemas.openxmlformats.org/drawingml/2006/table">
+            <a:tbl>
+              <a:tblPr firstRow="1" bandRow="1">
+                <a:tableStyleId>{5940675A-B579-460E-94D1-54222C63F5DA}</a:tableStyleId>
+              </a:tblPr>
+              <a:tblGrid>
+                <a:gridCol w="2489200"/>
+                <a:gridCol w="2489200"/>
+                <a:gridCol w="2489200"/>
+              </a:tblGrid>
+              <a:tr h="370840">
+                <a:tc>
+                  <a:txBody>
+                    <a:bodyPr/>
+                    <a:lstStyle/>
+                    <a:p>
+                      <a:r>
+                        <a:rPr lang="en-CA" dirty="0" smtClean="0"/>
+                        <a:t>Slot 1 (8:50</a:t>
+                      </a:r>
+                      <a:r>
+                        <a:rPr lang="en-CA" baseline="0" dirty="0" smtClean="0"/>
+                        <a:t> – 9:10)</a:t>
+                      </a:r>
+                      <a:endParaRPr lang="en-US" dirty="0"/>
+                    </a:p>
+                  </a:txBody>
+                  <a:tcPr/>
+                </a:tc>
+                <a:tc>
+                  <a:txBody>
+                    <a:bodyPr/>
+                    <a:lstStyle/>
+                    <a:p>
+                      <a:pPr marL="0" marR="0" indent="0" algn="l" defTabSz="914400" rtl="0" eaLnBrk="1" fontAlgn="auto" latinLnBrk="0" hangingPunct="1">
+                        <a:lnSpc>
+                          <a:spcPct val="100000"/>
+                        </a:lnSpc>
+                        <a:spcBef>
+                          <a:spcPts val="0"/>
+                        </a:spcBef>
+                        <a:spcAft>
+                          <a:spcPts val="0"/>
+                        </a:spcAft>
+                        <a:buClrTx/>
+                        <a:buSzTx/>
+                        <a:buFontTx/>
+                        <a:buNone/>
+                        <a:tabLst/>
+                        <a:defRPr/>
+                      </a:pPr>
+                      <a:r>
+                        <a:rPr lang="en-CA" dirty="0" smtClean="0"/>
+                        <a:t>Slot</a:t>
+                      </a:r>
+                      <a:r>
+                        <a:rPr lang="en-CA" baseline="0" dirty="0" smtClean="0"/>
+                        <a:t> </a:t>
+                      </a:r>
+                      <a:r>
+                        <a:rPr lang="en-CA" dirty="0" smtClean="0"/>
+                        <a:t>2 (</a:t>
+                      </a:r>
+                      <a:r>
+                        <a:rPr lang="en-CA" baseline="0" dirty="0" smtClean="0"/>
+                        <a:t>9:10 – 9:30)</a:t>
+                      </a:r>
+                      <a:endParaRPr lang="en-US" dirty="0" smtClean="0"/>
+                    </a:p>
+                  </a:txBody>
+                  <a:tcPr/>
+                </a:tc>
+                <a:tc>
+                  <a:txBody>
+                    <a:bodyPr/>
+                    <a:lstStyle/>
+                    <a:p>
+                      <a:pPr marL="0" marR="0" indent="0" algn="l" defTabSz="914400" rtl="0" eaLnBrk="1" fontAlgn="auto" latinLnBrk="0" hangingPunct="1">
+                        <a:lnSpc>
+                          <a:spcPct val="100000"/>
+                        </a:lnSpc>
+                        <a:spcBef>
+                          <a:spcPts val="0"/>
+                        </a:spcBef>
+                        <a:spcAft>
+                          <a:spcPts val="0"/>
+                        </a:spcAft>
+                        <a:buClrTx/>
+                        <a:buSzTx/>
+                        <a:buFontTx/>
+                        <a:buNone/>
+                        <a:tabLst/>
+                        <a:defRPr/>
+                      </a:pPr>
+                      <a:r>
+                        <a:rPr lang="en-CA" dirty="0" smtClean="0"/>
+                        <a:t>Slot 3 (</a:t>
+                      </a:r>
+                      <a:r>
+                        <a:rPr lang="en-CA" baseline="0" dirty="0" smtClean="0"/>
+                        <a:t>9:30 – 9:50)</a:t>
+                      </a:r>
+                      <a:endParaRPr lang="en-US" dirty="0" smtClean="0"/>
+                    </a:p>
+                  </a:txBody>
+                  <a:tcPr/>
+                </a:tc>
+              </a:tr>
+              <a:tr h="370840">
+                <a:tc>
+                  <a:txBody>
+                    <a:bodyPr/>
+                    <a:lstStyle/>
+                    <a:p>
+                      <a:r>
+                        <a:rPr lang="en-CA" sz="1600" dirty="0" err="1" smtClean="0"/>
+                        <a:t>Hasrat</a:t>
+                      </a:r>
+                      <a:endParaRPr lang="en-CA" sz="1600" dirty="0" smtClean="0"/>
+                    </a:p>
+                    <a:p>
+                      <a:r>
+                        <a:rPr lang="en-CA" sz="1600" dirty="0" err="1" smtClean="0"/>
+                        <a:t>Yoshita</a:t>
+                      </a:r>
+                      <a:endParaRPr lang="en-CA" sz="1600" dirty="0" smtClean="0"/>
+                    </a:p>
+                    <a:p>
+                      <a:r>
+                        <a:rPr lang="en-CA" sz="1600" dirty="0" err="1" smtClean="0"/>
+                        <a:t>Raagaventhan</a:t>
+                      </a:r>
+                      <a:endParaRPr lang="en-CA" sz="1600" dirty="0" smtClean="0"/>
+                    </a:p>
+                    <a:p>
+                      <a:r>
+                        <a:rPr lang="en-CA" sz="1600" dirty="0" err="1" smtClean="0"/>
+                        <a:t>Krish</a:t>
+                      </a:r>
+                      <a:endParaRPr lang="en-CA" sz="1600" dirty="0" smtClean="0"/>
+                    </a:p>
+                    <a:p>
+                      <a:r>
+                        <a:rPr lang="en-CA" sz="1600" dirty="0" smtClean="0"/>
+                        <a:t>Christian</a:t>
+                      </a:r>
+                    </a:p>
+                    <a:p>
+                      <a:r>
+                        <a:rPr lang="en-CA" sz="1600" dirty="0" err="1" smtClean="0"/>
+                        <a:t>Sahajdeep</a:t>
+                      </a:r>
+                      <a:endParaRPr lang="en-CA" sz="1600" dirty="0" smtClean="0"/>
+                    </a:p>
+                    <a:p>
+                      <a:r>
+                        <a:rPr lang="en-CA" sz="1600" dirty="0" err="1" smtClean="0"/>
+                        <a:t>Kashish</a:t>
+                      </a:r>
+                      <a:endParaRPr lang="en-US" sz="1600" dirty="0"/>
+                    </a:p>
+                  </a:txBody>
+                  <a:tcPr/>
+                </a:tc>
+                <a:tc>
+                  <a:txBody>
+                    <a:bodyPr/>
+                    <a:lstStyle/>
+                    <a:p>
+                      <a:r>
+                        <a:rPr lang="en-CA" sz="1600" dirty="0" err="1" smtClean="0"/>
+                        <a:t>Gobina</a:t>
+                      </a:r>
+                      <a:endParaRPr lang="en-CA" sz="1600" dirty="0" smtClean="0"/>
+                    </a:p>
+                    <a:p>
+                      <a:r>
+                        <a:rPr lang="en-CA" sz="1600" dirty="0" smtClean="0"/>
+                        <a:t>Abigail</a:t>
+                      </a:r>
+                    </a:p>
+                    <a:p>
+                      <a:r>
+                        <a:rPr lang="en-CA" sz="1600" dirty="0" smtClean="0"/>
+                        <a:t>Raj</a:t>
+                      </a:r>
+                    </a:p>
+                    <a:p>
+                      <a:r>
+                        <a:rPr lang="en-CA" sz="1600" dirty="0" err="1" smtClean="0"/>
+                        <a:t>Saj</a:t>
+                      </a:r>
+                      <a:endParaRPr lang="en-CA" sz="1600" dirty="0" smtClean="0"/>
+                    </a:p>
+                    <a:p>
+                      <a:r>
+                        <a:rPr lang="en-CA" sz="1600" dirty="0" err="1" smtClean="0"/>
+                        <a:t>Sanvir</a:t>
+                      </a:r>
+                      <a:endParaRPr lang="en-CA" sz="1600" dirty="0" smtClean="0"/>
+                    </a:p>
+                    <a:p>
+                      <a:r>
+                        <a:rPr lang="en-CA" sz="1600" dirty="0" err="1" smtClean="0"/>
+                        <a:t>Arjunvir</a:t>
+                      </a:r>
+                      <a:endParaRPr lang="en-CA" sz="1600" dirty="0" smtClean="0"/>
+                    </a:p>
+                    <a:p>
+                      <a:r>
+                        <a:rPr lang="en-CA" sz="1600" dirty="0" smtClean="0"/>
+                        <a:t>Liam</a:t>
+                      </a:r>
+                    </a:p>
+                    <a:p>
+                      <a:r>
+                        <a:rPr lang="en-CA" sz="1600" dirty="0" err="1" smtClean="0"/>
+                        <a:t>Harsimrit</a:t>
+                      </a:r>
+                      <a:endParaRPr lang="en-US" sz="1600" dirty="0"/>
+                    </a:p>
+                  </a:txBody>
+                  <a:tcPr/>
+                </a:tc>
+                <a:tc>
+                  <a:txBody>
+                    <a:bodyPr/>
+                    <a:lstStyle/>
+                    <a:p>
+                      <a:r>
+                        <a:rPr lang="en-CA" sz="1600" dirty="0" err="1" smtClean="0"/>
+                        <a:t>Namika</a:t>
+                      </a:r>
+                      <a:endParaRPr lang="en-CA" sz="1600" dirty="0" smtClean="0"/>
+                    </a:p>
+                    <a:p>
+                      <a:r>
+                        <a:rPr lang="en-CA" sz="1600" dirty="0" err="1" smtClean="0"/>
+                        <a:t>Harshveer</a:t>
+                      </a:r>
+                      <a:endParaRPr lang="en-CA" sz="1600" dirty="0" smtClean="0"/>
+                    </a:p>
+                    <a:p>
+                      <a:r>
+                        <a:rPr lang="en-CA" sz="1600" dirty="0" smtClean="0"/>
+                        <a:t>Raul</a:t>
+                      </a:r>
+                    </a:p>
+                    <a:p>
+                      <a:r>
+                        <a:rPr lang="en-CA" sz="1600" dirty="0" err="1" smtClean="0"/>
+                        <a:t>Karamvir</a:t>
+                      </a:r>
+                      <a:endParaRPr lang="en-CA" sz="1600" dirty="0" smtClean="0"/>
+                    </a:p>
+                    <a:p>
+                      <a:r>
+                        <a:rPr lang="en-CA" sz="1600" dirty="0" err="1" smtClean="0"/>
+                        <a:t>Gurman</a:t>
+                      </a:r>
+                      <a:endParaRPr lang="en-CA" sz="1600" dirty="0" smtClean="0"/>
+                    </a:p>
+                    <a:p>
+                      <a:r>
+                        <a:rPr lang="en-CA" sz="1600" dirty="0" smtClean="0"/>
+                        <a:t>Jordan K</a:t>
+                      </a:r>
+                    </a:p>
+                    <a:p>
+                      <a:r>
+                        <a:rPr lang="en-CA" sz="1600" dirty="0" err="1" smtClean="0"/>
+                        <a:t>Harneet</a:t>
+                      </a:r>
+                      <a:endParaRPr lang="en-CA" sz="1600" dirty="0" smtClean="0"/>
+                    </a:p>
+                    <a:p>
+                      <a:r>
+                        <a:rPr lang="en-CA" sz="1600" dirty="0" smtClean="0"/>
+                        <a:t>Jordan T</a:t>
+                      </a:r>
+                      <a:endParaRPr lang="en-US" sz="1600" dirty="0"/>
+                    </a:p>
+                  </a:txBody>
+                  <a:tcPr/>
+                </a:tc>
+              </a:tr>
+            </a:tbl>
+          </a:graphicData>
+        </a:graphic>
+      </p:graphicFrame>
+    </p:spTree>
+    <p:extLst>
+      <p:ext uri="{BB962C8B-B14F-4D97-AF65-F5344CB8AC3E}">
+        <p14:creationId xmlns:p14="http://schemas.microsoft.com/office/powerpoint/2010/main" val="3434728594"/>
+      </p:ext>
+    </p:extLst>
+  </p:cSld>
+  <p:clrMapOvr>
+    <a:masterClrMapping/>
+  </p:clrMapOvr>
 </p:sld>
 </file>
 
